--- a/vrp22.pptx
+++ b/vrp22.pptx
@@ -104,6 +104,11 @@
       </a:defRPr>
     </a:lvl9pPr>
   </p:defaultTextStyle>
+  <p:extLst>
+    <p:ext uri="{EFAFB233-063F-42B5-8137-9DF3F51BA10A}">
+      <p15:sldGuideLst xmlns:p15="http://schemas.microsoft.com/office/powerpoint/2012/main"/>
+    </p:ext>
+  </p:extLst>
 </p:presentation>
 </file>
 
@@ -1091,12 +1096,12 @@
   </cdr:relSizeAnchor>
   <cdr:relSizeAnchor xmlns:cdr="http://schemas.openxmlformats.org/drawingml/2006/chartDrawing">
     <cdr:from>
-      <cdr:x>0.30652</cdr:x>
-      <cdr:y>0.17024</cdr:y>
+      <cdr:x>0.24269</cdr:x>
+      <cdr:y>0.28544</cdr:y>
     </cdr:from>
     <cdr:to>
       <cdr:x>0.51662</cdr:x>
-      <cdr:y>0.28544</cdr:y>
+      <cdr:y>0.84245</cdr:y>
     </cdr:to>
     <cdr:cxnSp macro="">
       <cdr:nvCxnSpPr>
@@ -1110,9 +1115,9 @@
         <cdr:cNvCxnSpPr/>
       </cdr:nvCxnSpPr>
       <cdr:spPr>
-        <a:xfrm xmlns:a="http://schemas.openxmlformats.org/drawingml/2006/main" flipH="1" flipV="1">
-          <a:off x="1463675" y="767081"/>
-          <a:ext cx="1003301" cy="519114"/>
+        <a:xfrm xmlns:a="http://schemas.openxmlformats.org/drawingml/2006/main" flipH="1">
+          <a:off x="1158875" y="1286183"/>
+          <a:ext cx="1308089" cy="2509848"/>
         </a:xfrm>
         <a:prstGeom xmlns:a="http://schemas.openxmlformats.org/drawingml/2006/main" prst="straightConnector1">
           <a:avLst/>
@@ -1139,12 +1144,12 @@
   </cdr:relSizeAnchor>
   <cdr:relSizeAnchor xmlns:cdr="http://schemas.openxmlformats.org/drawingml/2006/chartDrawing">
     <cdr:from>
-      <cdr:x>0.30253</cdr:x>
-      <cdr:y>0.17658</cdr:y>
+      <cdr:x>0.24668</cdr:x>
+      <cdr:y>0.7135</cdr:y>
     </cdr:from>
     <cdr:to>
-      <cdr:x>0.56782</cdr:x>
-      <cdr:y>0.63317</cdr:y>
+      <cdr:x>0.53391</cdr:x>
+      <cdr:y>0.84456</cdr:y>
     </cdr:to>
     <cdr:cxnSp macro="">
       <cdr:nvCxnSpPr>
@@ -1158,9 +1163,9 @@
         <cdr:cNvCxnSpPr/>
       </cdr:nvCxnSpPr>
       <cdr:spPr>
-        <a:xfrm xmlns:a="http://schemas.openxmlformats.org/drawingml/2006/main">
-          <a:off x="1444625" y="795656"/>
-          <a:ext cx="1266825" cy="2057400"/>
+        <a:xfrm xmlns:a="http://schemas.openxmlformats.org/drawingml/2006/main" flipV="1">
+          <a:off x="1177925" y="3215006"/>
+          <a:ext cx="1371600" cy="590551"/>
         </a:xfrm>
         <a:prstGeom xmlns:a="http://schemas.openxmlformats.org/drawingml/2006/main" prst="straightConnector1">
           <a:avLst/>
@@ -1187,108 +1192,12 @@
   </cdr:relSizeAnchor>
   <cdr:relSizeAnchor xmlns:cdr="http://schemas.openxmlformats.org/drawingml/2006/chartDrawing">
     <cdr:from>
-      <cdr:x>0.55851</cdr:x>
-      <cdr:y>0.66277</cdr:y>
+      <cdr:x>0.25665</cdr:x>
+      <cdr:y>0.58773</cdr:y>
     </cdr:from>
     <cdr:to>
-      <cdr:x>0.5758</cdr:x>
-      <cdr:y>0.68602</cdr:y>
-    </cdr:to>
-    <cdr:cxnSp macro="">
-      <cdr:nvCxnSpPr>
-        <cdr:cNvPr id="18" name="Gerade Verbindung mit Pfeil 17">
-          <a:extLst xmlns:a="http://schemas.openxmlformats.org/drawingml/2006/main">
-            <a:ext uri="{FF2B5EF4-FFF2-40B4-BE49-F238E27FC236}">
-              <a16:creationId xmlns:a16="http://schemas.microsoft.com/office/drawing/2014/main" id="{A6EB8DDC-612F-4FC6-AFB4-23B12A3CC8D5}"/>
-            </a:ext>
-          </a:extLst>
-        </cdr:cNvPr>
-        <cdr:cNvCxnSpPr/>
-      </cdr:nvCxnSpPr>
-      <cdr:spPr>
-        <a:xfrm xmlns:a="http://schemas.openxmlformats.org/drawingml/2006/main" flipH="1">
-          <a:off x="2667001" y="2986406"/>
-          <a:ext cx="82549" cy="104775"/>
-        </a:xfrm>
-        <a:prstGeom xmlns:a="http://schemas.openxmlformats.org/drawingml/2006/main" prst="straightConnector1">
-          <a:avLst/>
-        </a:prstGeom>
-        <a:ln xmlns:a="http://schemas.openxmlformats.org/drawingml/2006/main">
-          <a:tailEnd type="triangle"/>
-        </a:ln>
-      </cdr:spPr>
-      <cdr:style>
-        <a:lnRef xmlns:a="http://schemas.openxmlformats.org/drawingml/2006/main" idx="1">
-          <a:schemeClr val="accent2"/>
-        </a:lnRef>
-        <a:fillRef xmlns:a="http://schemas.openxmlformats.org/drawingml/2006/main" idx="0">
-          <a:schemeClr val="accent2"/>
-        </a:fillRef>
-        <a:effectRef xmlns:a="http://schemas.openxmlformats.org/drawingml/2006/main" idx="0">
-          <a:schemeClr val="accent2"/>
-        </a:effectRef>
-        <a:fontRef xmlns:a="http://schemas.openxmlformats.org/drawingml/2006/main" idx="minor">
-          <a:schemeClr val="tx1"/>
-        </a:fontRef>
-      </cdr:style>
-    </cdr:cxnSp>
-  </cdr:relSizeAnchor>
-  <cdr:relSizeAnchor xmlns:cdr="http://schemas.openxmlformats.org/drawingml/2006/chartDrawing">
-    <cdr:from>
-      <cdr:x>0.25665</cdr:x>
-      <cdr:y>0.69818</cdr:y>
-    </cdr:from>
-    <cdr:to>
-      <cdr:x>0.53657</cdr:x>
-      <cdr:y>0.84245</cdr:y>
-    </cdr:to>
-    <cdr:cxnSp macro="">
-      <cdr:nvCxnSpPr>
-        <cdr:cNvPr id="22" name="Gerade Verbindung mit Pfeil 21">
-          <a:extLst xmlns:a="http://schemas.openxmlformats.org/drawingml/2006/main">
-            <a:ext uri="{FF2B5EF4-FFF2-40B4-BE49-F238E27FC236}">
-              <a16:creationId xmlns:a16="http://schemas.microsoft.com/office/drawing/2014/main" id="{A6EB8DDC-612F-4FC6-AFB4-23B12A3CC8D5}"/>
-            </a:ext>
-          </a:extLst>
-        </cdr:cNvPr>
-        <cdr:cNvCxnSpPr/>
-      </cdr:nvCxnSpPr>
-      <cdr:spPr>
-        <a:xfrm xmlns:a="http://schemas.openxmlformats.org/drawingml/2006/main" flipH="1">
-          <a:off x="1225550" y="3145951"/>
-          <a:ext cx="1336676" cy="650080"/>
-        </a:xfrm>
-        <a:prstGeom xmlns:a="http://schemas.openxmlformats.org/drawingml/2006/main" prst="straightConnector1">
-          <a:avLst/>
-        </a:prstGeom>
-        <a:ln xmlns:a="http://schemas.openxmlformats.org/drawingml/2006/main">
-          <a:tailEnd type="triangle"/>
-        </a:ln>
-      </cdr:spPr>
-      <cdr:style>
-        <a:lnRef xmlns:a="http://schemas.openxmlformats.org/drawingml/2006/main" idx="1">
-          <a:schemeClr val="accent2"/>
-        </a:lnRef>
-        <a:fillRef xmlns:a="http://schemas.openxmlformats.org/drawingml/2006/main" idx="0">
-          <a:schemeClr val="accent2"/>
-        </a:fillRef>
-        <a:effectRef xmlns:a="http://schemas.openxmlformats.org/drawingml/2006/main" idx="0">
-          <a:schemeClr val="accent2"/>
-        </a:effectRef>
-        <a:fontRef xmlns:a="http://schemas.openxmlformats.org/drawingml/2006/main" idx="minor">
-          <a:schemeClr val="tx1"/>
-        </a:fontRef>
-      </cdr:style>
-    </cdr:cxnSp>
-  </cdr:relSizeAnchor>
-  <cdr:relSizeAnchor xmlns:cdr="http://schemas.openxmlformats.org/drawingml/2006/chartDrawing">
-    <cdr:from>
-      <cdr:x>0.23338</cdr:x>
-      <cdr:y>0.60816</cdr:y>
-    </cdr:from>
-    <cdr:to>
-      <cdr:x>0.23338</cdr:x>
-      <cdr:y>0.8435</cdr:y>
+      <cdr:x>0.54987</cdr:x>
+      <cdr:y>0.63529</cdr:y>
     </cdr:to>
     <cdr:cxnSp macro="">
       <cdr:nvCxnSpPr>
@@ -1303,8 +1212,8 @@
       </cdr:nvCxnSpPr>
       <cdr:spPr>
         <a:xfrm xmlns:a="http://schemas.openxmlformats.org/drawingml/2006/main" flipH="1" flipV="1">
-          <a:off x="1114425" y="2740344"/>
-          <a:ext cx="1" cy="1060451"/>
+          <a:off x="1225550" y="2648269"/>
+          <a:ext cx="1400176" cy="214313"/>
         </a:xfrm>
         <a:prstGeom xmlns:a="http://schemas.openxmlformats.org/drawingml/2006/main" prst="straightConnector1">
           <a:avLst/>
@@ -1332,10 +1241,10 @@
   <cdr:relSizeAnchor xmlns:cdr="http://schemas.openxmlformats.org/drawingml/2006/chartDrawing">
     <cdr:from>
       <cdr:x>0.24867</cdr:x>
-      <cdr:y>0.55073</cdr:y>
+      <cdr:y>0.17658</cdr:y>
     </cdr:from>
     <cdr:to>
-      <cdr:x>0.3883</cdr:x>
+      <cdr:x>0.29056</cdr:x>
       <cdr:y>0.57187</cdr:y>
     </cdr:to>
     <cdr:cxnSp macro="">
@@ -1351,8 +1260,8 @@
       </cdr:nvCxnSpPr>
       <cdr:spPr>
         <a:xfrm xmlns:a="http://schemas.openxmlformats.org/drawingml/2006/main" flipV="1">
-          <a:off x="1187450" y="2481581"/>
-          <a:ext cx="666750" cy="95250"/>
+          <a:off x="1187449" y="795656"/>
+          <a:ext cx="200026" cy="1781168"/>
         </a:xfrm>
         <a:prstGeom xmlns:a="http://schemas.openxmlformats.org/drawingml/2006/main" prst="straightConnector1">
           <a:avLst/>
@@ -1379,12 +1288,12 @@
   </cdr:relSizeAnchor>
   <cdr:relSizeAnchor xmlns:cdr="http://schemas.openxmlformats.org/drawingml/2006/chartDrawing">
     <cdr:from>
-      <cdr:x>0.42287</cdr:x>
-      <cdr:y>0.4387</cdr:y>
+      <cdr:x>0.31449</cdr:x>
+      <cdr:y>0.17869</cdr:y>
     </cdr:from>
     <cdr:to>
       <cdr:x>0.62965</cdr:x>
-      <cdr:y>0.54333</cdr:y>
+      <cdr:y>0.4387</cdr:y>
     </cdr:to>
     <cdr:cxnSp macro="">
       <cdr:nvCxnSpPr>
@@ -1398,9 +1307,9 @@
         <cdr:cNvCxnSpPr/>
       </cdr:nvCxnSpPr>
       <cdr:spPr>
-        <a:xfrm xmlns:a="http://schemas.openxmlformats.org/drawingml/2006/main" flipV="1">
-          <a:off x="2019301" y="1976756"/>
-          <a:ext cx="987424" cy="471489"/>
+        <a:xfrm xmlns:a="http://schemas.openxmlformats.org/drawingml/2006/main">
+          <a:off x="1501775" y="805181"/>
+          <a:ext cx="1504930" cy="1171585"/>
         </a:xfrm>
         <a:prstGeom xmlns:a="http://schemas.openxmlformats.org/drawingml/2006/main" prst="straightConnector1">
           <a:avLst/>
@@ -1427,12 +1336,12 @@
   </cdr:relSizeAnchor>
   <cdr:relSizeAnchor xmlns:cdr="http://schemas.openxmlformats.org/drawingml/2006/chartDrawing">
     <cdr:from>
-      <cdr:x>0.58577</cdr:x>
+      <cdr:x>0.42021</cdr:x>
       <cdr:y>0.4313</cdr:y>
     </cdr:from>
     <cdr:to>
       <cdr:x>0.62633</cdr:x>
-      <cdr:y>0.62472</cdr:y>
+      <cdr:y>0.54651</cdr:y>
     </cdr:to>
     <cdr:cxnSp macro="">
       <cdr:nvCxnSpPr>
@@ -1447,8 +1356,104 @@
       </cdr:nvCxnSpPr>
       <cdr:spPr>
         <a:xfrm xmlns:a="http://schemas.openxmlformats.org/drawingml/2006/main" flipH="1">
-          <a:off x="2797175" y="1943420"/>
-          <a:ext cx="193676" cy="871536"/>
+          <a:off x="2006600" y="1943421"/>
+          <a:ext cx="984251" cy="519110"/>
+        </a:xfrm>
+        <a:prstGeom xmlns:a="http://schemas.openxmlformats.org/drawingml/2006/main" prst="straightConnector1">
+          <a:avLst/>
+        </a:prstGeom>
+        <a:ln xmlns:a="http://schemas.openxmlformats.org/drawingml/2006/main">
+          <a:tailEnd type="triangle"/>
+        </a:ln>
+      </cdr:spPr>
+      <cdr:style>
+        <a:lnRef xmlns:a="http://schemas.openxmlformats.org/drawingml/2006/main" idx="1">
+          <a:schemeClr val="accent2"/>
+        </a:lnRef>
+        <a:fillRef xmlns:a="http://schemas.openxmlformats.org/drawingml/2006/main" idx="0">
+          <a:schemeClr val="accent2"/>
+        </a:fillRef>
+        <a:effectRef xmlns:a="http://schemas.openxmlformats.org/drawingml/2006/main" idx="0">
+          <a:schemeClr val="accent2"/>
+        </a:effectRef>
+        <a:fontRef xmlns:a="http://schemas.openxmlformats.org/drawingml/2006/main" idx="minor">
+          <a:schemeClr val="tx1"/>
+        </a:fontRef>
+      </cdr:style>
+    </cdr:cxnSp>
+  </cdr:relSizeAnchor>
+  <cdr:relSizeAnchor xmlns:cdr="http://schemas.openxmlformats.org/drawingml/2006/chartDrawing">
+    <cdr:from>
+      <cdr:x>0.55785</cdr:x>
+      <cdr:y>0.65643</cdr:y>
+    </cdr:from>
+    <cdr:to>
+      <cdr:x>0.5758</cdr:x>
+      <cdr:y>0.69236</cdr:y>
+    </cdr:to>
+    <cdr:cxnSp macro="">
+      <cdr:nvCxnSpPr>
+        <cdr:cNvPr id="17" name="Gerade Verbindung mit Pfeil 16">
+          <a:extLst xmlns:a="http://schemas.openxmlformats.org/drawingml/2006/main">
+            <a:ext uri="{FF2B5EF4-FFF2-40B4-BE49-F238E27FC236}">
+              <a16:creationId xmlns:a16="http://schemas.microsoft.com/office/drawing/2014/main" id="{886C4BF9-DA07-44EE-8365-3D16D790D429}"/>
+            </a:ext>
+          </a:extLst>
+        </cdr:cNvPr>
+        <cdr:cNvCxnSpPr/>
+      </cdr:nvCxnSpPr>
+      <cdr:spPr>
+        <a:xfrm xmlns:a="http://schemas.openxmlformats.org/drawingml/2006/main" flipV="1">
+          <a:off x="2663825" y="2957831"/>
+          <a:ext cx="85725" cy="161926"/>
+        </a:xfrm>
+        <a:prstGeom xmlns:a="http://schemas.openxmlformats.org/drawingml/2006/main" prst="straightConnector1">
+          <a:avLst/>
+        </a:prstGeom>
+        <a:ln xmlns:a="http://schemas.openxmlformats.org/drawingml/2006/main">
+          <a:tailEnd type="triangle"/>
+        </a:ln>
+      </cdr:spPr>
+      <cdr:style>
+        <a:lnRef xmlns:a="http://schemas.openxmlformats.org/drawingml/2006/main" idx="1">
+          <a:schemeClr val="accent1"/>
+        </a:lnRef>
+        <a:fillRef xmlns:a="http://schemas.openxmlformats.org/drawingml/2006/main" idx="0">
+          <a:schemeClr val="accent1"/>
+        </a:fillRef>
+        <a:effectRef xmlns:a="http://schemas.openxmlformats.org/drawingml/2006/main" idx="0">
+          <a:schemeClr val="accent1"/>
+        </a:effectRef>
+        <a:fontRef xmlns:a="http://schemas.openxmlformats.org/drawingml/2006/main" idx="minor">
+          <a:schemeClr val="tx1"/>
+        </a:fontRef>
+      </cdr:style>
+    </cdr:cxnSp>
+  </cdr:relSizeAnchor>
+  <cdr:relSizeAnchor xmlns:cdr="http://schemas.openxmlformats.org/drawingml/2006/chartDrawing">
+    <cdr:from>
+      <cdr:x>0.42819</cdr:x>
+      <cdr:y>0.56764</cdr:y>
+    </cdr:from>
+    <cdr:to>
+      <cdr:x>0.56184</cdr:x>
+      <cdr:y>0.63106</cdr:y>
+    </cdr:to>
+    <cdr:cxnSp macro="">
+      <cdr:nvCxnSpPr>
+        <cdr:cNvPr id="27" name="Gerade Verbindung mit Pfeil 26">
+          <a:extLst xmlns:a="http://schemas.openxmlformats.org/drawingml/2006/main">
+            <a:ext uri="{FF2B5EF4-FFF2-40B4-BE49-F238E27FC236}">
+              <a16:creationId xmlns:a16="http://schemas.microsoft.com/office/drawing/2014/main" id="{145CB112-D15D-47F1-A75E-F41B7BEF9B23}"/>
+            </a:ext>
+          </a:extLst>
+        </cdr:cNvPr>
+        <cdr:cNvCxnSpPr/>
+      </cdr:nvCxnSpPr>
+      <cdr:spPr>
+        <a:xfrm xmlns:a="http://schemas.openxmlformats.org/drawingml/2006/main">
+          <a:off x="2044700" y="2557781"/>
+          <a:ext cx="638176" cy="285750"/>
         </a:xfrm>
         <a:prstGeom xmlns:a="http://schemas.openxmlformats.org/drawingml/2006/main" prst="straightConnector1">
           <a:avLst/>
@@ -1623,7 +1628,7 @@
           <a:p>
             <a:fld id="{BFA93D77-59F3-4647-B5C5-713370A33E57}" type="datetimeFigureOut">
               <a:rPr lang="de-DE" smtClean="0"/>
-              <a:t>18.01.2018</a:t>
+              <a:t>19.01.2018</a:t>
             </a:fld>
             <a:endParaRPr lang="de-DE"/>
           </a:p>
@@ -1821,7 +1826,7 @@
           <a:p>
             <a:fld id="{BFA93D77-59F3-4647-B5C5-713370A33E57}" type="datetimeFigureOut">
               <a:rPr lang="de-DE" smtClean="0"/>
-              <a:t>18.01.2018</a:t>
+              <a:t>19.01.2018</a:t>
             </a:fld>
             <a:endParaRPr lang="de-DE"/>
           </a:p>
@@ -2029,7 +2034,7 @@
           <a:p>
             <a:fld id="{BFA93D77-59F3-4647-B5C5-713370A33E57}" type="datetimeFigureOut">
               <a:rPr lang="de-DE" smtClean="0"/>
-              <a:t>18.01.2018</a:t>
+              <a:t>19.01.2018</a:t>
             </a:fld>
             <a:endParaRPr lang="de-DE"/>
           </a:p>
@@ -2227,7 +2232,7 @@
           <a:p>
             <a:fld id="{BFA93D77-59F3-4647-B5C5-713370A33E57}" type="datetimeFigureOut">
               <a:rPr lang="de-DE" smtClean="0"/>
-              <a:t>18.01.2018</a:t>
+              <a:t>19.01.2018</a:t>
             </a:fld>
             <a:endParaRPr lang="de-DE"/>
           </a:p>
@@ -2502,7 +2507,7 @@
           <a:p>
             <a:fld id="{BFA93D77-59F3-4647-B5C5-713370A33E57}" type="datetimeFigureOut">
               <a:rPr lang="de-DE" smtClean="0"/>
-              <a:t>18.01.2018</a:t>
+              <a:t>19.01.2018</a:t>
             </a:fld>
             <a:endParaRPr lang="de-DE"/>
           </a:p>
@@ -2767,7 +2772,7 @@
           <a:p>
             <a:fld id="{BFA93D77-59F3-4647-B5C5-713370A33E57}" type="datetimeFigureOut">
               <a:rPr lang="de-DE" smtClean="0"/>
-              <a:t>18.01.2018</a:t>
+              <a:t>19.01.2018</a:t>
             </a:fld>
             <a:endParaRPr lang="de-DE"/>
           </a:p>
@@ -3179,7 +3184,7 @@
           <a:p>
             <a:fld id="{BFA93D77-59F3-4647-B5C5-713370A33E57}" type="datetimeFigureOut">
               <a:rPr lang="de-DE" smtClean="0"/>
-              <a:t>18.01.2018</a:t>
+              <a:t>19.01.2018</a:t>
             </a:fld>
             <a:endParaRPr lang="de-DE"/>
           </a:p>
@@ -3320,7 +3325,7 @@
           <a:p>
             <a:fld id="{BFA93D77-59F3-4647-B5C5-713370A33E57}" type="datetimeFigureOut">
               <a:rPr lang="de-DE" smtClean="0"/>
-              <a:t>18.01.2018</a:t>
+              <a:t>19.01.2018</a:t>
             </a:fld>
             <a:endParaRPr lang="de-DE"/>
           </a:p>
@@ -3433,7 +3438,7 @@
           <a:p>
             <a:fld id="{BFA93D77-59F3-4647-B5C5-713370A33E57}" type="datetimeFigureOut">
               <a:rPr lang="de-DE" smtClean="0"/>
-              <a:t>18.01.2018</a:t>
+              <a:t>19.01.2018</a:t>
             </a:fld>
             <a:endParaRPr lang="de-DE"/>
           </a:p>
@@ -3744,7 +3749,7 @@
           <a:p>
             <a:fld id="{BFA93D77-59F3-4647-B5C5-713370A33E57}" type="datetimeFigureOut">
               <a:rPr lang="de-DE" smtClean="0"/>
-              <a:t>18.01.2018</a:t>
+              <a:t>19.01.2018</a:t>
             </a:fld>
             <a:endParaRPr lang="de-DE"/>
           </a:p>
@@ -4032,7 +4037,7 @@
           <a:p>
             <a:fld id="{BFA93D77-59F3-4647-B5C5-713370A33E57}" type="datetimeFigureOut">
               <a:rPr lang="de-DE" smtClean="0"/>
-              <a:t>18.01.2018</a:t>
+              <a:t>19.01.2018</a:t>
             </a:fld>
             <a:endParaRPr lang="de-DE"/>
           </a:p>
@@ -4273,7 +4278,7 @@
           <a:p>
             <a:fld id="{BFA93D77-59F3-4647-B5C5-713370A33E57}" type="datetimeFigureOut">
               <a:rPr lang="de-DE" smtClean="0"/>
-              <a:t>18.01.2018</a:t>
+              <a:t>19.01.2018</a:t>
             </a:fld>
             <a:endParaRPr lang="de-DE"/>
           </a:p>
@@ -4755,7 +4760,7 @@
           <p:nvPr>
             <p:extLst>
               <p:ext uri="{D42A27DB-BD31-4B8C-83A1-F6EECF244321}">
-                <p14:modId xmlns:p14="http://schemas.microsoft.com/office/powerpoint/2010/main" val="18236257"/>
+                <p14:modId xmlns:p14="http://schemas.microsoft.com/office/powerpoint/2010/main" val="442317991"/>
               </p:ext>
             </p:extLst>
           </p:nvPr>

--- a/vrp22.pptx
+++ b/vrp22.pptx
@@ -1628,7 +1628,7 @@
           <a:p>
             <a:fld id="{BFA93D77-59F3-4647-B5C5-713370A33E57}" type="datetimeFigureOut">
               <a:rPr lang="de-DE" smtClean="0"/>
-              <a:t>19.01.2018</a:t>
+              <a:t>23.01.2018</a:t>
             </a:fld>
             <a:endParaRPr lang="de-DE"/>
           </a:p>
@@ -1826,7 +1826,7 @@
           <a:p>
             <a:fld id="{BFA93D77-59F3-4647-B5C5-713370A33E57}" type="datetimeFigureOut">
               <a:rPr lang="de-DE" smtClean="0"/>
-              <a:t>19.01.2018</a:t>
+              <a:t>23.01.2018</a:t>
             </a:fld>
             <a:endParaRPr lang="de-DE"/>
           </a:p>
@@ -2034,7 +2034,7 @@
           <a:p>
             <a:fld id="{BFA93D77-59F3-4647-B5C5-713370A33E57}" type="datetimeFigureOut">
               <a:rPr lang="de-DE" smtClean="0"/>
-              <a:t>19.01.2018</a:t>
+              <a:t>23.01.2018</a:t>
             </a:fld>
             <a:endParaRPr lang="de-DE"/>
           </a:p>
@@ -2232,7 +2232,7 @@
           <a:p>
             <a:fld id="{BFA93D77-59F3-4647-B5C5-713370A33E57}" type="datetimeFigureOut">
               <a:rPr lang="de-DE" smtClean="0"/>
-              <a:t>19.01.2018</a:t>
+              <a:t>23.01.2018</a:t>
             </a:fld>
             <a:endParaRPr lang="de-DE"/>
           </a:p>
@@ -2507,7 +2507,7 @@
           <a:p>
             <a:fld id="{BFA93D77-59F3-4647-B5C5-713370A33E57}" type="datetimeFigureOut">
               <a:rPr lang="de-DE" smtClean="0"/>
-              <a:t>19.01.2018</a:t>
+              <a:t>23.01.2018</a:t>
             </a:fld>
             <a:endParaRPr lang="de-DE"/>
           </a:p>
@@ -2772,7 +2772,7 @@
           <a:p>
             <a:fld id="{BFA93D77-59F3-4647-B5C5-713370A33E57}" type="datetimeFigureOut">
               <a:rPr lang="de-DE" smtClean="0"/>
-              <a:t>19.01.2018</a:t>
+              <a:t>23.01.2018</a:t>
             </a:fld>
             <a:endParaRPr lang="de-DE"/>
           </a:p>
@@ -3184,7 +3184,7 @@
           <a:p>
             <a:fld id="{BFA93D77-59F3-4647-B5C5-713370A33E57}" type="datetimeFigureOut">
               <a:rPr lang="de-DE" smtClean="0"/>
-              <a:t>19.01.2018</a:t>
+              <a:t>23.01.2018</a:t>
             </a:fld>
             <a:endParaRPr lang="de-DE"/>
           </a:p>
@@ -3325,7 +3325,7 @@
           <a:p>
             <a:fld id="{BFA93D77-59F3-4647-B5C5-713370A33E57}" type="datetimeFigureOut">
               <a:rPr lang="de-DE" smtClean="0"/>
-              <a:t>19.01.2018</a:t>
+              <a:t>23.01.2018</a:t>
             </a:fld>
             <a:endParaRPr lang="de-DE"/>
           </a:p>
@@ -3438,7 +3438,7 @@
           <a:p>
             <a:fld id="{BFA93D77-59F3-4647-B5C5-713370A33E57}" type="datetimeFigureOut">
               <a:rPr lang="de-DE" smtClean="0"/>
-              <a:t>19.01.2018</a:t>
+              <a:t>23.01.2018</a:t>
             </a:fld>
             <a:endParaRPr lang="de-DE"/>
           </a:p>
@@ -3749,7 +3749,7 @@
           <a:p>
             <a:fld id="{BFA93D77-59F3-4647-B5C5-713370A33E57}" type="datetimeFigureOut">
               <a:rPr lang="de-DE" smtClean="0"/>
-              <a:t>19.01.2018</a:t>
+              <a:t>23.01.2018</a:t>
             </a:fld>
             <a:endParaRPr lang="de-DE"/>
           </a:p>
@@ -4037,7 +4037,7 @@
           <a:p>
             <a:fld id="{BFA93D77-59F3-4647-B5C5-713370A33E57}" type="datetimeFigureOut">
               <a:rPr lang="de-DE" smtClean="0"/>
-              <a:t>19.01.2018</a:t>
+              <a:t>23.01.2018</a:t>
             </a:fld>
             <a:endParaRPr lang="de-DE"/>
           </a:p>
@@ -4278,7 +4278,7 @@
           <a:p>
             <a:fld id="{BFA93D77-59F3-4647-B5C5-713370A33E57}" type="datetimeFigureOut">
               <a:rPr lang="de-DE" smtClean="0"/>
-              <a:t>19.01.2018</a:t>
+              <a:t>23.01.2018</a:t>
             </a:fld>
             <a:endParaRPr lang="de-DE"/>
           </a:p>
@@ -4775,6 +4775,170 @@
           </a:graphicData>
         </a:graphic>
       </p:graphicFrame>
+      <p:sp>
+        <p:nvSpPr>
+          <p:cNvPr id="4" name="Textfeld 3">
+            <a:extLst>
+              <a:ext uri="{FF2B5EF4-FFF2-40B4-BE49-F238E27FC236}">
+                <a16:creationId xmlns:a16="http://schemas.microsoft.com/office/drawing/2014/main" id="{56674FE4-CC38-4404-AC64-B4874B3D1EA2}"/>
+              </a:ext>
+            </a:extLst>
+          </p:cNvPr>
+          <p:cNvSpPr txBox="1"/>
+          <p:nvPr/>
+        </p:nvSpPr>
+        <p:spPr>
+          <a:xfrm>
+            <a:off x="3948628" y="1122363"/>
+            <a:ext cx="473206" cy="369332"/>
+          </a:xfrm>
+          <a:prstGeom prst="rect">
+            <a:avLst/>
+          </a:prstGeom>
+          <a:noFill/>
+        </p:spPr>
+        <p:txBody>
+          <a:bodyPr wrap="none" rtlCol="0">
+            <a:spAutoFit/>
+          </a:bodyPr>
+          <a:lstStyle/>
+          <a:p>
+            <a:r>
+              <a:rPr lang="de-DE" dirty="0"/>
+              <a:t>km</a:t>
+            </a:r>
+          </a:p>
+        </p:txBody>
+      </p:sp>
+      <p:sp>
+        <p:nvSpPr>
+          <p:cNvPr id="6" name="Textfeld 4">
+            <a:extLst>
+              <a:ext uri="{FF2B5EF4-FFF2-40B4-BE49-F238E27FC236}">
+                <a16:creationId xmlns:a16="http://schemas.microsoft.com/office/drawing/2014/main" id="{EB59E166-8982-400F-BE3C-D97B1EB8B3A2}"/>
+              </a:ext>
+            </a:extLst>
+          </p:cNvPr>
+          <p:cNvSpPr txBox="1"/>
+          <p:nvPr/>
+        </p:nvSpPr>
+        <p:spPr>
+          <a:xfrm>
+            <a:off x="7985080" y="5128062"/>
+            <a:ext cx="473206" cy="369332"/>
+          </a:xfrm>
+          <a:prstGeom prst="rect">
+            <a:avLst/>
+          </a:prstGeom>
+          <a:noFill/>
+        </p:spPr>
+        <p:txBody>
+          <a:bodyPr wrap="none" rtlCol="0">
+            <a:spAutoFit/>
+          </a:bodyPr>
+          <a:lstStyle>
+            <a:defPPr>
+              <a:defRPr lang="de-DE"/>
+            </a:defPPr>
+            <a:lvl1pPr marL="0" algn="l" defTabSz="914400" rtl="0" eaLnBrk="1" latinLnBrk="0" hangingPunct="1">
+              <a:defRPr sz="1800" kern="1200">
+                <a:solidFill>
+                  <a:schemeClr val="tx1"/>
+                </a:solidFill>
+                <a:latin typeface="+mn-lt"/>
+                <a:ea typeface="+mn-ea"/>
+                <a:cs typeface="+mn-cs"/>
+              </a:defRPr>
+            </a:lvl1pPr>
+            <a:lvl2pPr marL="457200" algn="l" defTabSz="914400" rtl="0" eaLnBrk="1" latinLnBrk="0" hangingPunct="1">
+              <a:defRPr sz="1800" kern="1200">
+                <a:solidFill>
+                  <a:schemeClr val="tx1"/>
+                </a:solidFill>
+                <a:latin typeface="+mn-lt"/>
+                <a:ea typeface="+mn-ea"/>
+                <a:cs typeface="+mn-cs"/>
+              </a:defRPr>
+            </a:lvl2pPr>
+            <a:lvl3pPr marL="914400" algn="l" defTabSz="914400" rtl="0" eaLnBrk="1" latinLnBrk="0" hangingPunct="1">
+              <a:defRPr sz="1800" kern="1200">
+                <a:solidFill>
+                  <a:schemeClr val="tx1"/>
+                </a:solidFill>
+                <a:latin typeface="+mn-lt"/>
+                <a:ea typeface="+mn-ea"/>
+                <a:cs typeface="+mn-cs"/>
+              </a:defRPr>
+            </a:lvl3pPr>
+            <a:lvl4pPr marL="1371600" algn="l" defTabSz="914400" rtl="0" eaLnBrk="1" latinLnBrk="0" hangingPunct="1">
+              <a:defRPr sz="1800" kern="1200">
+                <a:solidFill>
+                  <a:schemeClr val="tx1"/>
+                </a:solidFill>
+                <a:latin typeface="+mn-lt"/>
+                <a:ea typeface="+mn-ea"/>
+                <a:cs typeface="+mn-cs"/>
+              </a:defRPr>
+            </a:lvl4pPr>
+            <a:lvl5pPr marL="1828800" algn="l" defTabSz="914400" rtl="0" eaLnBrk="1" latinLnBrk="0" hangingPunct="1">
+              <a:defRPr sz="1800" kern="1200">
+                <a:solidFill>
+                  <a:schemeClr val="tx1"/>
+                </a:solidFill>
+                <a:latin typeface="+mn-lt"/>
+                <a:ea typeface="+mn-ea"/>
+                <a:cs typeface="+mn-cs"/>
+              </a:defRPr>
+            </a:lvl5pPr>
+            <a:lvl6pPr marL="2286000" algn="l" defTabSz="914400" rtl="0" eaLnBrk="1" latinLnBrk="0" hangingPunct="1">
+              <a:defRPr sz="1800" kern="1200">
+                <a:solidFill>
+                  <a:schemeClr val="tx1"/>
+                </a:solidFill>
+                <a:latin typeface="+mn-lt"/>
+                <a:ea typeface="+mn-ea"/>
+                <a:cs typeface="+mn-cs"/>
+              </a:defRPr>
+            </a:lvl6pPr>
+            <a:lvl7pPr marL="2743200" algn="l" defTabSz="914400" rtl="0" eaLnBrk="1" latinLnBrk="0" hangingPunct="1">
+              <a:defRPr sz="1800" kern="1200">
+                <a:solidFill>
+                  <a:schemeClr val="tx1"/>
+                </a:solidFill>
+                <a:latin typeface="+mn-lt"/>
+                <a:ea typeface="+mn-ea"/>
+                <a:cs typeface="+mn-cs"/>
+              </a:defRPr>
+            </a:lvl7pPr>
+            <a:lvl8pPr marL="3200400" algn="l" defTabSz="914400" rtl="0" eaLnBrk="1" latinLnBrk="0" hangingPunct="1">
+              <a:defRPr sz="1800" kern="1200">
+                <a:solidFill>
+                  <a:schemeClr val="tx1"/>
+                </a:solidFill>
+                <a:latin typeface="+mn-lt"/>
+                <a:ea typeface="+mn-ea"/>
+                <a:cs typeface="+mn-cs"/>
+              </a:defRPr>
+            </a:lvl8pPr>
+            <a:lvl9pPr marL="3657600" algn="l" defTabSz="914400" rtl="0" eaLnBrk="1" latinLnBrk="0" hangingPunct="1">
+              <a:defRPr sz="1800" kern="1200">
+                <a:solidFill>
+                  <a:schemeClr val="tx1"/>
+                </a:solidFill>
+                <a:latin typeface="+mn-lt"/>
+                <a:ea typeface="+mn-ea"/>
+                <a:cs typeface="+mn-cs"/>
+              </a:defRPr>
+            </a:lvl9pPr>
+          </a:lstStyle>
+          <a:p>
+            <a:r>
+              <a:rPr lang="de-DE" dirty="0"/>
+              <a:t>km</a:t>
+            </a:r>
+          </a:p>
+        </p:txBody>
+      </p:sp>
     </p:spTree>
     <p:extLst>
       <p:ext uri="{BB962C8B-B14F-4D97-AF65-F5344CB8AC3E}">
